--- a/Chapter7/Figures/Fig12.pptx
+++ b/Chapter7/Figures/Fig12.pptx
@@ -288,7 +288,7 @@
           <a:p>
             <a:fld id="{DE6E776C-94F7-447B-B50B-9DA36B6AFBE5}" type="datetimeFigureOut">
               <a:rPr lang="en-GB" smtClean="0"/>
-              <a:t>05/06/2014</a:t>
+              <a:t>19/10/2014</a:t>
             </a:fld>
             <a:endParaRPr lang="en-GB"/>
           </a:p>
@@ -458,7 +458,7 @@
           <a:p>
             <a:fld id="{DE6E776C-94F7-447B-B50B-9DA36B6AFBE5}" type="datetimeFigureOut">
               <a:rPr lang="en-GB" smtClean="0"/>
-              <a:t>05/06/2014</a:t>
+              <a:t>19/10/2014</a:t>
             </a:fld>
             <a:endParaRPr lang="en-GB"/>
           </a:p>
@@ -638,7 +638,7 @@
           <a:p>
             <a:fld id="{DE6E776C-94F7-447B-B50B-9DA36B6AFBE5}" type="datetimeFigureOut">
               <a:rPr lang="en-GB" smtClean="0"/>
-              <a:t>05/06/2014</a:t>
+              <a:t>19/10/2014</a:t>
             </a:fld>
             <a:endParaRPr lang="en-GB"/>
           </a:p>
@@ -808,7 +808,7 @@
           <a:p>
             <a:fld id="{DE6E776C-94F7-447B-B50B-9DA36B6AFBE5}" type="datetimeFigureOut">
               <a:rPr lang="en-GB" smtClean="0"/>
-              <a:t>05/06/2014</a:t>
+              <a:t>19/10/2014</a:t>
             </a:fld>
             <a:endParaRPr lang="en-GB"/>
           </a:p>
@@ -1054,7 +1054,7 @@
           <a:p>
             <a:fld id="{DE6E776C-94F7-447B-B50B-9DA36B6AFBE5}" type="datetimeFigureOut">
               <a:rPr lang="en-GB" smtClean="0"/>
-              <a:t>05/06/2014</a:t>
+              <a:t>19/10/2014</a:t>
             </a:fld>
             <a:endParaRPr lang="en-GB"/>
           </a:p>
@@ -1342,7 +1342,7 @@
           <a:p>
             <a:fld id="{DE6E776C-94F7-447B-B50B-9DA36B6AFBE5}" type="datetimeFigureOut">
               <a:rPr lang="en-GB" smtClean="0"/>
-              <a:t>05/06/2014</a:t>
+              <a:t>19/10/2014</a:t>
             </a:fld>
             <a:endParaRPr lang="en-GB"/>
           </a:p>
@@ -1764,7 +1764,7 @@
           <a:p>
             <a:fld id="{DE6E776C-94F7-447B-B50B-9DA36B6AFBE5}" type="datetimeFigureOut">
               <a:rPr lang="en-GB" smtClean="0"/>
-              <a:t>05/06/2014</a:t>
+              <a:t>19/10/2014</a:t>
             </a:fld>
             <a:endParaRPr lang="en-GB"/>
           </a:p>
@@ -1882,7 +1882,7 @@
           <a:p>
             <a:fld id="{DE6E776C-94F7-447B-B50B-9DA36B6AFBE5}" type="datetimeFigureOut">
               <a:rPr lang="en-GB" smtClean="0"/>
-              <a:t>05/06/2014</a:t>
+              <a:t>19/10/2014</a:t>
             </a:fld>
             <a:endParaRPr lang="en-GB"/>
           </a:p>
@@ -1977,7 +1977,7 @@
           <a:p>
             <a:fld id="{DE6E776C-94F7-447B-B50B-9DA36B6AFBE5}" type="datetimeFigureOut">
               <a:rPr lang="en-GB" smtClean="0"/>
-              <a:t>05/06/2014</a:t>
+              <a:t>19/10/2014</a:t>
             </a:fld>
             <a:endParaRPr lang="en-GB"/>
           </a:p>
@@ -2254,7 +2254,7 @@
           <a:p>
             <a:fld id="{DE6E776C-94F7-447B-B50B-9DA36B6AFBE5}" type="datetimeFigureOut">
               <a:rPr lang="en-GB" smtClean="0"/>
-              <a:t>05/06/2014</a:t>
+              <a:t>19/10/2014</a:t>
             </a:fld>
             <a:endParaRPr lang="en-GB"/>
           </a:p>
@@ -2507,7 +2507,7 @@
           <a:p>
             <a:fld id="{DE6E776C-94F7-447B-B50B-9DA36B6AFBE5}" type="datetimeFigureOut">
               <a:rPr lang="en-GB" smtClean="0"/>
-              <a:t>05/06/2014</a:t>
+              <a:t>19/10/2014</a:t>
             </a:fld>
             <a:endParaRPr lang="en-GB"/>
           </a:p>
@@ -2720,7 +2720,7 @@
           <a:p>
             <a:fld id="{DE6E776C-94F7-447B-B50B-9DA36B6AFBE5}" type="datetimeFigureOut">
               <a:rPr lang="en-GB" smtClean="0"/>
-              <a:t>05/06/2014</a:t>
+              <a:t>19/10/2014</a:t>
             </a:fld>
             <a:endParaRPr lang="en-GB"/>
           </a:p>
@@ -4452,6 +4452,138 @@
           </a:p>
         </p:txBody>
       </p:sp>
+      <p:sp>
+        <p:nvSpPr>
+          <p:cNvPr id="3" name="TextBox 2"/>
+          <p:cNvSpPr txBox="1"/>
+          <p:nvPr/>
+        </p:nvSpPr>
+        <p:spPr>
+          <a:xfrm>
+            <a:off x="4550945" y="5937828"/>
+            <a:ext cx="682670" cy="477054"/>
+          </a:xfrm>
+          <a:prstGeom prst="rect">
+            <a:avLst/>
+          </a:prstGeom>
+          <a:noFill/>
+        </p:spPr>
+        <p:txBody>
+          <a:bodyPr wrap="square" rtlCol="0">
+            <a:spAutoFit/>
+          </a:bodyPr>
+          <a:lstStyle/>
+          <a:p>
+            <a:r>
+              <a:rPr lang="en-GB" sz="2500" dirty="0" smtClean="0"/>
+              <a:t>Ag</a:t>
+            </a:r>
+            <a:endParaRPr lang="en-GB" sz="2500" dirty="0"/>
+          </a:p>
+        </p:txBody>
+      </p:sp>
+      <p:sp>
+        <p:nvSpPr>
+          <p:cNvPr id="41" name="TextBox 40"/>
+          <p:cNvSpPr txBox="1"/>
+          <p:nvPr/>
+        </p:nvSpPr>
+        <p:spPr>
+          <a:xfrm>
+            <a:off x="4536430" y="5148808"/>
+            <a:ext cx="682670" cy="477054"/>
+          </a:xfrm>
+          <a:prstGeom prst="rect">
+            <a:avLst/>
+          </a:prstGeom>
+          <a:noFill/>
+        </p:spPr>
+        <p:txBody>
+          <a:bodyPr wrap="square" rtlCol="0">
+            <a:spAutoFit/>
+          </a:bodyPr>
+          <a:lstStyle/>
+          <a:p>
+            <a:r>
+              <a:rPr lang="en-GB" sz="2500" dirty="0" smtClean="0"/>
+              <a:t>PS</a:t>
+            </a:r>
+            <a:endParaRPr lang="en-GB" sz="2500" dirty="0"/>
+          </a:p>
+        </p:txBody>
+      </p:sp>
+      <p:cxnSp>
+        <p:nvCxnSpPr>
+          <p:cNvPr id="5" name="Straight Arrow Connector 4"/>
+          <p:cNvCxnSpPr/>
+          <p:nvPr/>
+        </p:nvCxnSpPr>
+        <p:spPr>
+          <a:xfrm>
+            <a:off x="4164269" y="5796880"/>
+            <a:ext cx="386676" cy="328850"/>
+          </a:xfrm>
+          <a:prstGeom prst="straightConnector1">
+            <a:avLst/>
+          </a:prstGeom>
+          <a:ln w="19050">
+            <a:solidFill>
+              <a:schemeClr val="tx1"/>
+            </a:solidFill>
+            <a:tailEnd type="triangle"/>
+          </a:ln>
+        </p:spPr>
+        <p:style>
+          <a:lnRef idx="1">
+            <a:schemeClr val="accent1"/>
+          </a:lnRef>
+          <a:fillRef idx="0">
+            <a:schemeClr val="accent1"/>
+          </a:fillRef>
+          <a:effectRef idx="0">
+            <a:schemeClr val="accent1"/>
+          </a:effectRef>
+          <a:fontRef idx="minor">
+            <a:schemeClr val="tx1"/>
+          </a:fontRef>
+        </p:style>
+      </p:cxnSp>
+      <p:cxnSp>
+        <p:nvCxnSpPr>
+          <p:cNvPr id="10" name="Straight Arrow Connector 9"/>
+          <p:cNvCxnSpPr/>
+          <p:nvPr/>
+        </p:nvCxnSpPr>
+        <p:spPr>
+          <a:xfrm flipV="1">
+            <a:off x="4230989" y="5389584"/>
+            <a:ext cx="319956" cy="119265"/>
+          </a:xfrm>
+          <a:prstGeom prst="straightConnector1">
+            <a:avLst/>
+          </a:prstGeom>
+          <a:ln w="19050">
+            <a:solidFill>
+              <a:schemeClr val="tx1"/>
+            </a:solidFill>
+            <a:tailEnd type="triangle"/>
+          </a:ln>
+        </p:spPr>
+        <p:style>
+          <a:lnRef idx="1">
+            <a:schemeClr val="accent1"/>
+          </a:lnRef>
+          <a:fillRef idx="0">
+            <a:schemeClr val="accent1"/>
+          </a:fillRef>
+          <a:effectRef idx="0">
+            <a:schemeClr val="accent1"/>
+          </a:effectRef>
+          <a:fontRef idx="minor">
+            <a:schemeClr val="tx1"/>
+          </a:fontRef>
+        </p:style>
+      </p:cxnSp>
     </p:spTree>
     <p:extLst>
       <p:ext uri="{BB962C8B-B14F-4D97-AF65-F5344CB8AC3E}">
